--- a/React and Grommet.pptx
+++ b/React and Grommet.pptx
@@ -8048,13 +8048,8 @@
             </a:r>
             <a:r>
               <a:rPr lang="en-US" sz="2000" dirty="0" smtClean="0"/>
-              <a:t> Class is inside “event” core </a:t>
-            </a:r>
-            <a:r>
-              <a:rPr lang="en-US" sz="2000" dirty="0" smtClean="0"/>
-              <a:t>module of Node.</a:t>
-            </a:r>
-            <a:endParaRPr lang="en-US" sz="2000" dirty="0" smtClean="0"/>
+              <a:t> Class is inside “event” core module of Node.</a:t>
+            </a:r>
           </a:p>
           <a:p>
             <a:endParaRPr lang="en-US" sz="2000" dirty="0"/>
@@ -8288,8 +8283,8 @@
         </p:nvSpPr>
         <p:spPr>
           <a:xfrm>
-            <a:off x="1234440" y="1457254"/>
-            <a:ext cx="9985248" cy="5201424"/>
+            <a:off x="1207008" y="972622"/>
+            <a:ext cx="9985248" cy="6124754"/>
           </a:xfrm>
           <a:prstGeom prst="rect">
             <a:avLst/>
@@ -8399,8 +8394,31 @@
               <a:rPr lang="en-US" sz="2000" dirty="0" smtClean="0">
                 <a:latin typeface="Bookman Old Style" panose="02050604050505020204" pitchFamily="18" charset="0"/>
               </a:rPr>
-              <a:t>. these two variables are block scoped.</a:t>
-            </a:r>
+              <a:t>. these two variables are block scoped</a:t>
+            </a:r>
+            <a:r>
+              <a:rPr lang="en-US" sz="2000" dirty="0" smtClean="0">
+                <a:latin typeface="Bookman Old Style" panose="02050604050505020204" pitchFamily="18" charset="0"/>
+              </a:rPr>
+              <a:t>.</a:t>
+            </a:r>
+          </a:p>
+          <a:p>
+            <a:r>
+              <a:rPr lang="en-US" sz="2000" dirty="0" smtClean="0">
+                <a:solidFill>
+                  <a:srgbClr val="FFFF00"/>
+                </a:solidFill>
+                <a:latin typeface="Bookman Old Style" panose="02050604050505020204" pitchFamily="18" charset="0"/>
+              </a:rPr>
+              <a:t>Refer “let and const.js” file for example</a:t>
+            </a:r>
+            <a:endParaRPr lang="en-US" sz="2000" dirty="0" smtClean="0">
+              <a:solidFill>
+                <a:srgbClr val="FFFF00"/>
+              </a:solidFill>
+              <a:latin typeface="Bookman Old Style" panose="02050604050505020204" pitchFamily="18" charset="0"/>
+            </a:endParaRPr>
           </a:p>
           <a:p>
             <a:endParaRPr lang="en-US" sz="2000" dirty="0">
@@ -8436,7 +8454,42 @@
               <a:rPr lang="en-US" sz="2000" dirty="0" smtClean="0">
                 <a:latin typeface="Bookman Old Style" panose="02050604050505020204" pitchFamily="18" charset="0"/>
               </a:rPr>
-              <a:t>ES6 introduces a new syntax which makes it really easy to create variables based on Objects and arrays.</a:t>
+              <a:t>ES6 introduces a new syntax which makes it really easy to create variables based on Objects and arrays</a:t>
+            </a:r>
+            <a:r>
+              <a:rPr lang="en-US" sz="2000" dirty="0" smtClean="0">
+                <a:latin typeface="Bookman Old Style" panose="02050604050505020204" pitchFamily="18" charset="0"/>
+              </a:rPr>
+              <a:t>.</a:t>
+            </a:r>
+          </a:p>
+          <a:p>
+            <a:r>
+              <a:rPr lang="en-US" sz="2000" dirty="0">
+                <a:solidFill>
+                  <a:srgbClr val="FFFF00"/>
+                </a:solidFill>
+                <a:latin typeface="Bookman Old Style" panose="02050604050505020204" pitchFamily="18" charset="0"/>
+              </a:rPr>
+              <a:t>Refer </a:t>
+            </a:r>
+            <a:r>
+              <a:rPr lang="en-US" sz="2000" dirty="0" smtClean="0">
+                <a:solidFill>
+                  <a:srgbClr val="FFFF00"/>
+                </a:solidFill>
+                <a:latin typeface="Bookman Old Style" panose="02050604050505020204" pitchFamily="18" charset="0"/>
+              </a:rPr>
+              <a:t>“destructuring.js” </a:t>
+            </a:r>
+            <a:r>
+              <a:rPr lang="en-US" sz="2000" dirty="0">
+                <a:solidFill>
+                  <a:srgbClr val="FFFF00"/>
+                </a:solidFill>
+                <a:latin typeface="Bookman Old Style" panose="02050604050505020204" pitchFamily="18" charset="0"/>
+              </a:rPr>
+              <a:t>file for example</a:t>
             </a:r>
           </a:p>
           <a:p>
@@ -8474,6 +8527,35 @@
             </a:r>
           </a:p>
           <a:p>
+            <a:r>
+              <a:rPr lang="en-US" sz="2000" dirty="0">
+                <a:solidFill>
+                  <a:srgbClr val="FFFF00"/>
+                </a:solidFill>
+                <a:latin typeface="Bookman Old Style" panose="02050604050505020204" pitchFamily="18" charset="0"/>
+              </a:rPr>
+              <a:t>Refer </a:t>
+            </a:r>
+            <a:r>
+              <a:rPr lang="en-US" sz="2000" dirty="0" smtClean="0">
+                <a:solidFill>
+                  <a:srgbClr val="FFFF00"/>
+                </a:solidFill>
+                <a:latin typeface="Bookman Old Style" panose="02050604050505020204" pitchFamily="18" charset="0"/>
+              </a:rPr>
+              <a:t>“arrow.js” </a:t>
+            </a:r>
+            <a:r>
+              <a:rPr lang="en-US" sz="2000" dirty="0">
+                <a:solidFill>
+                  <a:srgbClr val="FFFF00"/>
+                </a:solidFill>
+                <a:latin typeface="Bookman Old Style" panose="02050604050505020204" pitchFamily="18" charset="0"/>
+              </a:rPr>
+              <a:t>file for example</a:t>
+            </a:r>
+          </a:p>
+          <a:p>
             <a:endParaRPr lang="en-US" sz="2000" dirty="0">
               <a:latin typeface="Bookman Old Style" panose="02050604050505020204" pitchFamily="18" charset="0"/>
             </a:endParaRPr>
@@ -8493,7 +8575,7 @@
         </p:nvSpPr>
         <p:spPr>
           <a:xfrm>
-            <a:off x="1773936" y="356616"/>
+            <a:off x="1773936" y="118872"/>
             <a:ext cx="8549640" cy="769441"/>
           </a:xfrm>
           <a:prstGeom prst="rect">
@@ -8566,7 +8648,7 @@
         <p:spPr>
           <a:xfrm>
             <a:off x="996696" y="1716167"/>
-            <a:ext cx="9799320" cy="2646878"/>
+            <a:ext cx="9799320" cy="3877985"/>
           </a:xfrm>
           <a:prstGeom prst="rect">
             <a:avLst/>
@@ -8595,8 +8677,31 @@
               <a:rPr lang="en-US" sz="2000" dirty="0" smtClean="0">
                 <a:latin typeface="Bookman Old Style" panose="02050604050505020204" pitchFamily="18" charset="0"/>
               </a:rPr>
-              <a:t>ES6 introduces concept of class as available in traditional OOP languages. This new syntax make writing of code much cleaner.</a:t>
-            </a:r>
+              <a:t>ES6 introduces concept of class as available in traditional OOP languages. This new syntax make writing of code much cleaner</a:t>
+            </a:r>
+            <a:r>
+              <a:rPr lang="en-US" sz="2000" dirty="0" smtClean="0">
+                <a:latin typeface="Bookman Old Style" panose="02050604050505020204" pitchFamily="18" charset="0"/>
+              </a:rPr>
+              <a:t>.</a:t>
+            </a:r>
+          </a:p>
+          <a:p>
+            <a:r>
+              <a:rPr lang="en-US" sz="2000" dirty="0" smtClean="0">
+                <a:solidFill>
+                  <a:srgbClr val="FFFF00"/>
+                </a:solidFill>
+                <a:latin typeface="Bookman Old Style" panose="02050604050505020204" pitchFamily="18" charset="0"/>
+              </a:rPr>
+              <a:t>Refer “classes.js” file for example</a:t>
+            </a:r>
+            <a:endParaRPr lang="en-US" sz="2000" dirty="0" smtClean="0">
+              <a:solidFill>
+                <a:srgbClr val="FFFF00"/>
+              </a:solidFill>
+              <a:latin typeface="Bookman Old Style" panose="02050604050505020204" pitchFamily="18" charset="0"/>
+            </a:endParaRPr>
           </a:p>
           <a:p>
             <a:endParaRPr lang="en-US" dirty="0">
@@ -8621,8 +8726,48 @@
               <a:rPr lang="en-US" sz="2000" dirty="0" smtClean="0">
                 <a:latin typeface="Bookman Old Style" panose="02050604050505020204" pitchFamily="18" charset="0"/>
               </a:rPr>
-              <a:t>Using modules we break our codes into multiple file and reuse them as and when required. We can span our business logic into multiple modules instead of one single file.</a:t>
-            </a:r>
+              <a:t>Using modules we break our codes into multiple file and reuse them as and when required. We can span our business logic into multiple modules instead of one single file</a:t>
+            </a:r>
+            <a:r>
+              <a:rPr lang="en-US" sz="2000" dirty="0" smtClean="0">
+                <a:latin typeface="Bookman Old Style" panose="02050604050505020204" pitchFamily="18" charset="0"/>
+              </a:rPr>
+              <a:t>. It is necessary to export [ class, function or variable] from module in order to use in file which is importing it. </a:t>
+            </a:r>
+          </a:p>
+          <a:p>
+            <a:r>
+              <a:rPr lang="en-US" sz="2000">
+                <a:solidFill>
+                  <a:srgbClr val="FFFF00"/>
+                </a:solidFill>
+                <a:latin typeface="Bookman Old Style" panose="02050604050505020204" pitchFamily="18" charset="0"/>
+              </a:rPr>
+              <a:t>Refer </a:t>
+            </a:r>
+            <a:r>
+              <a:rPr lang="en-US" sz="2000" smtClean="0">
+                <a:solidFill>
+                  <a:srgbClr val="FFFF00"/>
+                </a:solidFill>
+                <a:latin typeface="Bookman Old Style" panose="02050604050505020204" pitchFamily="18" charset="0"/>
+              </a:rPr>
+              <a:t>“module1.js” and “main.js” </a:t>
+            </a:r>
+            <a:r>
+              <a:rPr lang="en-US" sz="2000" dirty="0">
+                <a:solidFill>
+                  <a:srgbClr val="FFFF00"/>
+                </a:solidFill>
+                <a:latin typeface="Bookman Old Style" panose="02050604050505020204" pitchFamily="18" charset="0"/>
+              </a:rPr>
+              <a:t>file for example</a:t>
+            </a:r>
+          </a:p>
+          <a:p>
+            <a:endParaRPr lang="en-US" sz="2000" dirty="0" smtClean="0">
+              <a:latin typeface="Bookman Old Style" panose="02050604050505020204" pitchFamily="18" charset="0"/>
+            </a:endParaRPr>
           </a:p>
         </p:txBody>
       </p:sp>
